--- a/Slides.pptx
+++ b/Slides.pptx
@@ -4439,8 +4439,8 @@
         </p:nvSpPr>
         <p:spPr>
           <a:xfrm>
-            <a:off x="262321" y="4011910"/>
-            <a:ext cx="2653495" cy="936104"/>
+            <a:off x="262321" y="3867893"/>
+            <a:ext cx="2653495" cy="974477"/>
           </a:xfrm>
           <a:prstGeom prst="rect">
             <a:avLst/>
@@ -4513,7 +4513,7 @@
         <p:spPr>
           <a:xfrm>
             <a:off x="6444208" y="4005837"/>
-            <a:ext cx="2448272" cy="654145"/>
+            <a:ext cx="2448272" cy="726153"/>
           </a:xfrm>
           <a:prstGeom prst="rect">
             <a:avLst/>
@@ -4958,6 +4958,160 @@
               </a:rPr>
               <a:t>ARCHITECTURE</a:t>
             </a:r>
+          </a:p>
+        </p:txBody>
+      </p:sp>
+      <p:sp>
+        <p:nvSpPr>
+          <p:cNvPr id="2" name="CuadroTexto 1">
+            <a:extLst>
+              <a:ext uri="{FF2B5EF4-FFF2-40B4-BE49-F238E27FC236}">
+                <a16:creationId xmlns:a16="http://schemas.microsoft.com/office/drawing/2014/main" id="{A43F342A-2E72-4846-B2E0-72C32D2AE2F2}"/>
+              </a:ext>
+            </a:extLst>
+          </p:cNvPr>
+          <p:cNvSpPr txBox="1"/>
+          <p:nvPr/>
+        </p:nvSpPr>
+        <p:spPr>
+          <a:xfrm>
+            <a:off x="5652120" y="2211710"/>
+            <a:ext cx="782587" cy="400110"/>
+          </a:xfrm>
+          <a:prstGeom prst="rect">
+            <a:avLst/>
+          </a:prstGeom>
+          <a:noFill/>
+        </p:spPr>
+        <p:txBody>
+          <a:bodyPr wrap="none" rtlCol="0">
+            <a:spAutoFit/>
+          </a:bodyPr>
+          <a:lstStyle/>
+          <a:p>
+            <a:r>
+              <a:rPr lang="es-ES" sz="1000" dirty="0">
+                <a:latin typeface="Arial" panose="020B0604020202020204" pitchFamily="34" charset="0"/>
+                <a:cs typeface="Arial" panose="020B0604020202020204" pitchFamily="34" charset="0"/>
+              </a:rPr>
+              <a:t>Web RTC </a:t>
+            </a:r>
+          </a:p>
+          <a:p>
+            <a:r>
+              <a:rPr lang="es-ES" sz="1000" dirty="0" err="1">
+                <a:latin typeface="Arial" panose="020B0604020202020204" pitchFamily="34" charset="0"/>
+                <a:cs typeface="Arial" panose="020B0604020202020204" pitchFamily="34" charset="0"/>
+              </a:rPr>
+              <a:t>Streaming</a:t>
+            </a:r>
+            <a:endParaRPr lang="es-ES" sz="1000" dirty="0">
+              <a:latin typeface="Arial" panose="020B0604020202020204" pitchFamily="34" charset="0"/>
+              <a:cs typeface="Arial" panose="020B0604020202020204" pitchFamily="34" charset="0"/>
+            </a:endParaRPr>
+          </a:p>
+        </p:txBody>
+      </p:sp>
+      <p:sp>
+        <p:nvSpPr>
+          <p:cNvPr id="3" name="Rectángulo 2">
+            <a:extLst>
+              <a:ext uri="{FF2B5EF4-FFF2-40B4-BE49-F238E27FC236}">
+                <a16:creationId xmlns:a16="http://schemas.microsoft.com/office/drawing/2014/main" id="{C98DC5CB-785C-9C4D-8423-0995E51B5580}"/>
+              </a:ext>
+            </a:extLst>
+          </p:cNvPr>
+          <p:cNvSpPr/>
+          <p:nvPr/>
+        </p:nvSpPr>
+        <p:spPr>
+          <a:xfrm>
+            <a:off x="3202239" y="3226034"/>
+            <a:ext cx="1008112" cy="391978"/>
+          </a:xfrm>
+          <a:prstGeom prst="rect">
+            <a:avLst/>
+          </a:prstGeom>
+          <a:solidFill>
+            <a:schemeClr val="bg1"/>
+          </a:solidFill>
+          <a:ln>
+            <a:noFill/>
+          </a:ln>
+        </p:spPr>
+        <p:style>
+          <a:lnRef idx="2">
+            <a:schemeClr val="accent1">
+              <a:shade val="50000"/>
+            </a:schemeClr>
+          </a:lnRef>
+          <a:fillRef idx="1">
+            <a:schemeClr val="accent1"/>
+          </a:fillRef>
+          <a:effectRef idx="0">
+            <a:schemeClr val="accent1"/>
+          </a:effectRef>
+          <a:fontRef idx="minor">
+            <a:schemeClr val="lt1"/>
+          </a:fontRef>
+        </p:style>
+        <p:txBody>
+          <a:bodyPr rtlCol="0" anchor="ctr"/>
+          <a:lstStyle/>
+          <a:p>
+            <a:pPr algn="ctr"/>
+            <a:endParaRPr lang="es-ES"/>
+          </a:p>
+        </p:txBody>
+      </p:sp>
+      <p:sp>
+        <p:nvSpPr>
+          <p:cNvPr id="6" name="CuadroTexto 5">
+            <a:extLst>
+              <a:ext uri="{FF2B5EF4-FFF2-40B4-BE49-F238E27FC236}">
+                <a16:creationId xmlns:a16="http://schemas.microsoft.com/office/drawing/2014/main" id="{D56FA7E6-069D-B34D-9B68-7CE3D68683C2}"/>
+              </a:ext>
+            </a:extLst>
+          </p:cNvPr>
+          <p:cNvSpPr txBox="1"/>
+          <p:nvPr/>
+        </p:nvSpPr>
+        <p:spPr>
+          <a:xfrm>
+            <a:off x="3131840" y="3179752"/>
+            <a:ext cx="792088" cy="400110"/>
+          </a:xfrm>
+          <a:prstGeom prst="rect">
+            <a:avLst/>
+          </a:prstGeom>
+          <a:noFill/>
+        </p:spPr>
+        <p:txBody>
+          <a:bodyPr wrap="square" rtlCol="0">
+            <a:spAutoFit/>
+          </a:bodyPr>
+          <a:lstStyle/>
+          <a:p>
+            <a:r>
+              <a:rPr lang="es-ES" sz="1000" dirty="0">
+                <a:latin typeface="Arial" panose="020B0604020202020204" pitchFamily="34" charset="0"/>
+                <a:cs typeface="Arial" panose="020B0604020202020204" pitchFamily="34" charset="0"/>
+              </a:rPr>
+              <a:t>Web RTC </a:t>
+            </a:r>
+          </a:p>
+          <a:p>
+            <a:r>
+              <a:rPr lang="es-ES" sz="1000" dirty="0" err="1">
+                <a:latin typeface="Arial" panose="020B0604020202020204" pitchFamily="34" charset="0"/>
+                <a:cs typeface="Arial" panose="020B0604020202020204" pitchFamily="34" charset="0"/>
+              </a:rPr>
+              <a:t>Streaming</a:t>
+            </a:r>
+            <a:endParaRPr lang="es-ES" sz="1000" dirty="0">
+              <a:latin typeface="Arial" panose="020B0604020202020204" pitchFamily="34" charset="0"/>
+              <a:cs typeface="Arial" panose="020B0604020202020204" pitchFamily="34" charset="0"/>
+            </a:endParaRPr>
           </a:p>
         </p:txBody>
       </p:sp>
